--- a/COVID19.pptx
+++ b/COVID19.pptx
@@ -319,7 +319,7 @@
           <a:p>
             <a:fld id="{0201325C-51CE-41A1-8630-1A52C13085BB}" type="datetimeFigureOut">
               <a:rPr lang="zh-CN" altLang="en-US" smtClean="0"/>
-              <a:t>2021/10/28</a:t>
+              <a:t>2021/10/29</a:t>
             </a:fld>
             <a:endParaRPr lang="zh-CN" altLang="en-US"/>
           </a:p>
@@ -496,7 +496,7 @@
           <a:p>
             <a:fld id="{1B3B8505-E7BC-4327-812D-12C5E82484FC}" type="datetimeFigureOut">
               <a:rPr lang="zh-CN" altLang="en-US" smtClean="0"/>
-              <a:t>2021/10/28</a:t>
+              <a:t>2021/10/29</a:t>
             </a:fld>
             <a:endParaRPr lang="zh-CN" altLang="en-US"/>
           </a:p>
